--- a/documentation/Spring_basics.pptx
+++ b/documentation/Spring_basics.pptx
@@ -9,10 +9,10 @@
     <p:sldMasterId id="2147483713" r:id="rId5"/>
   </p:sldMasterIdLst>
   <p:notesMasterIdLst>
-    <p:notesMasterId r:id="rId24"/>
+    <p:notesMasterId r:id="rId25"/>
   </p:notesMasterIdLst>
   <p:handoutMasterIdLst>
-    <p:handoutMasterId r:id="rId25"/>
+    <p:handoutMasterId r:id="rId26"/>
   </p:handoutMasterIdLst>
   <p:sldIdLst>
     <p:sldId id="294" r:id="rId6"/>
@@ -29,10 +29,11 @@
     <p:sldId id="384" r:id="rId17"/>
     <p:sldId id="385" r:id="rId18"/>
     <p:sldId id="386" r:id="rId19"/>
-    <p:sldId id="387" r:id="rId20"/>
-    <p:sldId id="388" r:id="rId21"/>
-    <p:sldId id="389" r:id="rId22"/>
-    <p:sldId id="390" r:id="rId23"/>
+    <p:sldId id="391" r:id="rId20"/>
+    <p:sldId id="387" r:id="rId21"/>
+    <p:sldId id="388" r:id="rId22"/>
+    <p:sldId id="389" r:id="rId23"/>
+    <p:sldId id="390" r:id="rId24"/>
   </p:sldIdLst>
   <p:sldSz cx="9144000" cy="5143500" type="screen16x9"/>
   <p:notesSz cx="6858000" cy="9144000"/>
@@ -166,6 +167,7 @@
         <p14:section name="Spring boot" id="{CA3A30DB-A2D4-4D44-8276-80A5ABB5D929}">
           <p14:sldIdLst>
             <p14:sldId id="386"/>
+            <p14:sldId id="391"/>
             <p14:sldId id="387"/>
             <p14:sldId id="388"/>
             <p14:sldId id="389"/>
@@ -4002,7 +4004,7 @@
           <a:p>
             <a:fld id="{78617FD8-3C79-8D45-A2C8-4B6BBD51E2EE}" type="datetimeFigureOut">
               <a:rPr lang="de-DE" smtClean="0"/>
-              <a:t>27.02.2018</a:t>
+              <a:t>02.03.2018</a:t>
             </a:fld>
             <a:endParaRPr lang="de-DE"/>
           </a:p>
@@ -4167,7 +4169,7 @@
           <a:p>
             <a:fld id="{74051A69-C562-4FC5-92DC-994CDC1376A2}" type="datetimeFigureOut">
               <a:rPr lang="en-US" smtClean="0"/>
-              <a:t>27.02.2018</a:t>
+              <a:t>02.03.2018</a:t>
             </a:fld>
             <a:endParaRPr lang="en-US"/>
           </a:p>
@@ -4592,7 +4594,7 @@
     </p:spTree>
     <p:extLst>
       <p:ext uri="{BB962C8B-B14F-4D97-AF65-F5344CB8AC3E}">
-        <p14:creationId xmlns:p14="http://schemas.microsoft.com/office/powerpoint/2010/main" val="4155360170"/>
+        <p14:creationId xmlns:p14="http://schemas.microsoft.com/office/powerpoint/2010/main" val="2556696818"/>
       </p:ext>
     </p:extLst>
   </p:cSld>
@@ -4676,7 +4678,7 @@
     </p:spTree>
     <p:extLst>
       <p:ext uri="{BB962C8B-B14F-4D97-AF65-F5344CB8AC3E}">
-        <p14:creationId xmlns:p14="http://schemas.microsoft.com/office/powerpoint/2010/main" val="2377190258"/>
+        <p14:creationId xmlns:p14="http://schemas.microsoft.com/office/powerpoint/2010/main" val="4155360170"/>
       </p:ext>
     </p:extLst>
   </p:cSld>
@@ -4760,7 +4762,7 @@
     </p:spTree>
     <p:extLst>
       <p:ext uri="{BB962C8B-B14F-4D97-AF65-F5344CB8AC3E}">
-        <p14:creationId xmlns:p14="http://schemas.microsoft.com/office/powerpoint/2010/main" val="70080872"/>
+        <p14:creationId xmlns:p14="http://schemas.microsoft.com/office/powerpoint/2010/main" val="2377190258"/>
       </p:ext>
     </p:extLst>
   </p:cSld>
@@ -4836,6 +4838,90 @@
             <a:fld id="{8C747B73-6B03-4EF3-AD40-683CE00DABF6}" type="slidenum">
               <a:rPr lang="en-US" smtClean="0"/>
               <a:t>18</a:t>
+            </a:fld>
+            <a:endParaRPr lang="en-US"/>
+          </a:p>
+        </p:txBody>
+      </p:sp>
+    </p:spTree>
+    <p:extLst>
+      <p:ext uri="{BB962C8B-B14F-4D97-AF65-F5344CB8AC3E}">
+        <p14:creationId xmlns:p14="http://schemas.microsoft.com/office/powerpoint/2010/main" val="70080872"/>
+      </p:ext>
+    </p:extLst>
+  </p:cSld>
+  <p:clrMapOvr>
+    <a:masterClrMapping/>
+  </p:clrMapOvr>
+</p:notes>
+</file>
+
+<file path=ppt/notesSlides/notesSlide14.xml><?xml version="1.0" encoding="utf-8"?>
+<p:notes xmlns:a="http://schemas.openxmlformats.org/drawingml/2006/main" xmlns:r="http://schemas.openxmlformats.org/officeDocument/2006/relationships" xmlns:p="http://schemas.openxmlformats.org/presentationml/2006/main">
+  <p:cSld>
+    <p:spTree>
+      <p:nvGrpSpPr>
+        <p:cNvPr id="1" name=""/>
+        <p:cNvGrpSpPr/>
+        <p:nvPr/>
+      </p:nvGrpSpPr>
+      <p:grpSpPr>
+        <a:xfrm>
+          <a:off x="0" y="0"/>
+          <a:ext cx="0" cy="0"/>
+          <a:chOff x="0" y="0"/>
+          <a:chExt cx="0" cy="0"/>
+        </a:xfrm>
+      </p:grpSpPr>
+      <p:sp>
+        <p:nvSpPr>
+          <p:cNvPr id="2" name="Folienbildplatzhalter 1"/>
+          <p:cNvSpPr>
+            <a:spLocks noGrp="1" noRot="1" noChangeAspect="1"/>
+          </p:cNvSpPr>
+          <p:nvPr>
+            <p:ph type="sldImg"/>
+          </p:nvPr>
+        </p:nvSpPr>
+        <p:spPr/>
+      </p:sp>
+      <p:sp>
+        <p:nvSpPr>
+          <p:cNvPr id="3" name="Notizenplatzhalter 2"/>
+          <p:cNvSpPr>
+            <a:spLocks noGrp="1"/>
+          </p:cNvSpPr>
+          <p:nvPr>
+            <p:ph type="body" idx="1"/>
+          </p:nvPr>
+        </p:nvSpPr>
+        <p:spPr/>
+        <p:txBody>
+          <a:bodyPr/>
+          <a:lstStyle/>
+          <a:p>
+            <a:endParaRPr lang="de-DE" dirty="0"/>
+          </a:p>
+        </p:txBody>
+      </p:sp>
+      <p:sp>
+        <p:nvSpPr>
+          <p:cNvPr id="4" name="Foliennummernplatzhalter 3"/>
+          <p:cNvSpPr>
+            <a:spLocks noGrp="1"/>
+          </p:cNvSpPr>
+          <p:nvPr>
+            <p:ph type="sldNum" sz="quarter" idx="10"/>
+          </p:nvPr>
+        </p:nvSpPr>
+        <p:spPr/>
+        <p:txBody>
+          <a:bodyPr/>
+          <a:lstStyle/>
+          <a:p>
+            <a:fld id="{8C747B73-6B03-4EF3-AD40-683CE00DABF6}" type="slidenum">
+              <a:rPr lang="en-US" smtClean="0"/>
+              <a:t>19</a:t>
             </a:fld>
             <a:endParaRPr lang="en-US"/>
           </a:p>
@@ -19045,7 +19131,7 @@
         <p:spPr>
           <a:xfrm>
             <a:off x="1128489" y="1198881"/>
-            <a:ext cx="6781681" cy="3039294"/>
+            <a:ext cx="6781681" cy="3647152"/>
           </a:xfrm>
           <a:prstGeom prst="rect">
             <a:avLst/>
@@ -19057,7 +19143,7 @@
           </a:bodyPr>
           <a:lstStyle/>
           <a:p>
-            <a:pPr marL="285750" indent="-285750" fontAlgn="base">
+            <a:pPr marL="285750" indent="-285750">
               <a:buClr>
                 <a:schemeClr val="tx2"/>
               </a:buClr>
@@ -19065,12 +19151,12 @@
               <a:buChar char="Ø"/>
             </a:pPr>
             <a:r>
-              <a:rPr lang="en-US" sz="1400" dirty="0"/>
-              <a:t>Starter makes dependency management easier and provides a faster project bootstrapping</a:t>
-            </a:r>
-          </a:p>
-          <a:p>
-            <a:pPr marL="285750" indent="-285750" fontAlgn="base">
+              <a:rPr lang="en-US" dirty="0"/>
+              <a:t>Spring boot is a Spring module is used for:</a:t>
+            </a:r>
+          </a:p>
+          <a:p>
+            <a:pPr marL="628601" lvl="1" indent="-285750">
               <a:buClr>
                 <a:schemeClr val="tx2"/>
               </a:buClr>
@@ -19079,11 +19165,11 @@
             </a:pPr>
             <a:r>
               <a:rPr lang="en-US" dirty="0"/>
-              <a:t>Usually every spring boot project starts with maven spring-boot-starter-parent, but it isn’t necessary. It provides us default:</a:t>
-            </a:r>
-          </a:p>
-          <a:p>
-            <a:pPr marL="628601" lvl="1" indent="-285750" fontAlgn="base">
+              <a:t>Build anything( RESTful, web, batch, integration, … ) </a:t>
+            </a:r>
+          </a:p>
+          <a:p>
+            <a:pPr marL="628601" lvl="1" indent="-285750">
               <a:buClr>
                 <a:schemeClr val="tx2"/>
               </a:buClr>
@@ -19092,11 +19178,11 @@
             </a:pPr>
             <a:r>
               <a:rPr lang="en-US" dirty="0"/>
-              <a:t>Configuration( various props, i.e. java version )</a:t>
-            </a:r>
-          </a:p>
-          <a:p>
-            <a:pPr marL="628601" lvl="1" indent="-285750" fontAlgn="base">
+              <a:t>Easy and fast build and run</a:t>
+            </a:r>
+          </a:p>
+          <a:p>
+            <a:pPr marL="628601" lvl="1" indent="-285750">
               <a:buClr>
                 <a:schemeClr val="tx2"/>
               </a:buClr>
@@ -19105,11 +19191,11 @@
             </a:pPr>
             <a:r>
               <a:rPr lang="en-US" dirty="0"/>
-              <a:t>Dependency Management - Version of dependencies</a:t>
-            </a:r>
-          </a:p>
-          <a:p>
-            <a:pPr marL="628601" lvl="1" indent="-285750" fontAlgn="base">
+              <a:t>A spring framework for the spring framework</a:t>
+            </a:r>
+          </a:p>
+          <a:p>
+            <a:pPr marL="285750" indent="-285750">
               <a:buClr>
                 <a:schemeClr val="tx2"/>
               </a:buClr>
@@ -19118,11 +19204,11 @@
             </a:pPr>
             <a:r>
               <a:rPr lang="en-US" dirty="0"/>
-              <a:t>Default Plugin Configuration</a:t>
-            </a:r>
-          </a:p>
-          <a:p>
-            <a:pPr marL="285750" indent="-285750" fontAlgn="base">
+              <a:t>Why do we use it?</a:t>
+            </a:r>
+          </a:p>
+          <a:p>
+            <a:pPr marL="628601" lvl="1" indent="-285750">
               <a:buClr>
                 <a:schemeClr val="tx2"/>
               </a:buClr>
@@ -19131,23 +19217,99 @@
             </a:pPr>
             <a:r>
               <a:rPr lang="en-US" dirty="0"/>
-              <a:t>It should contain dependency starters. A starter dependency is an “empty” project, with just one </a:t>
-            </a:r>
-            <a:r>
-              <a:rPr lang="en-US" dirty="0" err="1"/>
-              <a:t>pom</a:t>
-            </a:r>
+              <a:t>Dependency that works.</a:t>
+            </a:r>
+          </a:p>
+          <a:p>
+            <a:pPr marL="628601" lvl="1" indent="-285750">
+              <a:buClr>
+                <a:schemeClr val="tx2"/>
+              </a:buClr>
+              <a:buFont typeface="Wingdings" panose="05000000000000000000" pitchFamily="2" charset="2"/>
+              <a:buChar char="Ø"/>
+            </a:pPr>
             <a:r>
               <a:rPr lang="en-US" dirty="0"/>
-              <a:t>. There are more than 30 already predefined starters: </a:t>
-            </a:r>
-            <a:r>
-              <a:rPr lang="en-US" dirty="0">
-                <a:hlinkClick r:id="rId3" tooltip="full list"/>
-              </a:rPr>
-              <a:t>list of starters</a:t>
-            </a:r>
-            <a:endParaRPr lang="en-US" dirty="0"/>
+              <a:t>Easy configuration: auto-configuration</a:t>
+            </a:r>
+          </a:p>
+          <a:p>
+            <a:pPr marL="628601" lvl="1" indent="-285750">
+              <a:buClr>
+                <a:schemeClr val="tx2"/>
+              </a:buClr>
+              <a:buFont typeface="Wingdings" panose="05000000000000000000" pitchFamily="2" charset="2"/>
+              <a:buChar char="Ø"/>
+            </a:pPr>
+            <a:r>
+              <a:rPr lang="en-US" dirty="0"/>
+              <a:t>Embedded servers ( tomcat, jetty, …) </a:t>
+            </a:r>
+          </a:p>
+          <a:p>
+            <a:pPr marL="285750" indent="-285750">
+              <a:buClr>
+                <a:schemeClr val="tx2"/>
+              </a:buClr>
+              <a:buFont typeface="Wingdings" panose="05000000000000000000" pitchFamily="2" charset="2"/>
+              <a:buChar char="Ø"/>
+            </a:pPr>
+            <a:r>
+              <a:rPr lang="en-US" dirty="0"/>
+              <a:t>Key components</a:t>
+            </a:r>
+          </a:p>
+          <a:p>
+            <a:pPr marL="628601" lvl="1" indent="-285750">
+              <a:buClr>
+                <a:schemeClr val="tx2"/>
+              </a:buClr>
+              <a:buFont typeface="Wingdings" panose="05000000000000000000" pitchFamily="2" charset="2"/>
+              <a:buChar char="Ø"/>
+            </a:pPr>
+            <a:r>
+              <a:rPr lang="en-US" dirty="0"/>
+              <a:t>Starter</a:t>
+            </a:r>
+          </a:p>
+          <a:p>
+            <a:pPr marL="628601" lvl="1" indent="-285750">
+              <a:buClr>
+                <a:schemeClr val="tx2"/>
+              </a:buClr>
+              <a:buFont typeface="Wingdings" panose="05000000000000000000" pitchFamily="2" charset="2"/>
+              <a:buChar char="Ø"/>
+            </a:pPr>
+            <a:r>
+              <a:rPr lang="en-US" dirty="0"/>
+              <a:t>Auto-configuration</a:t>
+            </a:r>
+          </a:p>
+          <a:p>
+            <a:pPr marL="628601" lvl="1" indent="-285750">
+              <a:buClr>
+                <a:schemeClr val="tx2"/>
+              </a:buClr>
+              <a:buFont typeface="Wingdings" panose="05000000000000000000" pitchFamily="2" charset="2"/>
+              <a:buChar char="Ø"/>
+            </a:pPr>
+            <a:r>
+              <a:rPr lang="en-US" dirty="0"/>
+              <a:t>Actuator</a:t>
+            </a:r>
+          </a:p>
+          <a:p>
+            <a:pPr marL="628601" lvl="1" indent="-285750">
+              <a:buClr>
+                <a:schemeClr val="tx2"/>
+              </a:buClr>
+              <a:buFont typeface="Wingdings" panose="05000000000000000000" pitchFamily="2" charset="2"/>
+              <a:buChar char="Ø"/>
+            </a:pPr>
+            <a:r>
+              <a:rPr lang="en-US" dirty="0"/>
+              <a:t>CLI</a:t>
+            </a:r>
           </a:p>
           <a:p>
             <a:pPr marL="285750" indent="-285750" fontAlgn="base">
@@ -19280,7 +19442,7 @@
         <p:spPr>
           <a:xfrm>
             <a:off x="1128489" y="1198881"/>
-            <a:ext cx="6781681" cy="3231654"/>
+            <a:ext cx="6781681" cy="3039294"/>
           </a:xfrm>
           <a:prstGeom prst="rect">
             <a:avLst/>
@@ -19300,8 +19462,8 @@
               <a:buChar char="Ø"/>
             </a:pPr>
             <a:r>
-              <a:rPr lang="en-US" dirty="0"/>
-              <a:t>It configures automatically your Spring application based on the dependencies that are added in project.</a:t>
+              <a:rPr lang="en-US" sz="1400" dirty="0"/>
+              <a:t>Starter makes dependency management easier and provides a faster project bootstrapping</a:t>
             </a:r>
           </a:p>
           <a:p>
@@ -19314,7 +19476,7 @@
             </a:pPr>
             <a:r>
               <a:rPr lang="en-US" dirty="0"/>
-              <a:t>To enable autoconfiguration you should add one of following :</a:t>
+              <a:t>Usually every spring boot project starts with maven spring-boot-starter-parent, but it isn’t necessary. It provides us default:</a:t>
             </a:r>
           </a:p>
           <a:p>
@@ -19327,13 +19489,8 @@
             </a:pPr>
             <a:r>
               <a:rPr lang="en-US" dirty="0"/>
-              <a:t>@</a:t>
-            </a:r>
-            <a:r>
-              <a:rPr lang="en-US" dirty="0" err="1"/>
-              <a:t>EnableAutoConfiguration</a:t>
-            </a:r>
-            <a:endParaRPr lang="en-US" dirty="0"/>
+              <a:t>Configuration( various props, i.e. java version )</a:t>
+            </a:r>
           </a:p>
           <a:p>
             <a:pPr marL="628601" lvl="1" indent="-285750" fontAlgn="base">
@@ -19345,31 +19502,7 @@
             </a:pPr>
             <a:r>
               <a:rPr lang="en-US" dirty="0"/>
-              <a:t>@</a:t>
-            </a:r>
-            <a:r>
-              <a:rPr lang="en-US" dirty="0" err="1"/>
-              <a:t>SpringBootApplication</a:t>
-            </a:r>
-            <a:r>
-              <a:rPr lang="en-US" dirty="0"/>
-              <a:t> = @Configuration + @</a:t>
-            </a:r>
-            <a:r>
-              <a:rPr lang="en-US" dirty="0" err="1"/>
-              <a:t>EnableAutoConfiguration</a:t>
-            </a:r>
-            <a:r>
-              <a:rPr lang="en-US" dirty="0"/>
-              <a:t> + @</a:t>
-            </a:r>
-            <a:r>
-              <a:rPr lang="en-US" dirty="0" err="1"/>
-              <a:t>ComponentScan</a:t>
-            </a:r>
-            <a:r>
-              <a:rPr lang="en-US" dirty="0"/>
-              <a:t> </a:t>
+              <a:t>Dependency Management - Version of dependencies</a:t>
             </a:r>
           </a:p>
           <a:p>
@@ -19382,11 +19515,11 @@
             </a:pPr>
             <a:r>
               <a:rPr lang="en-US" dirty="0"/>
-              <a:t>It tells to spring to spring to load configuration and scan all components from the same package as Application and all sub-packages.</a:t>
-            </a:r>
-          </a:p>
-          <a:p>
-            <a:pPr marL="628601" lvl="1" indent="-285750" fontAlgn="base">
+              <a:t>Default Plugin Configuration</a:t>
+            </a:r>
+          </a:p>
+          <a:p>
+            <a:pPr marL="285750" indent="-285750" fontAlgn="base">
               <a:buClr>
                 <a:schemeClr val="tx2"/>
               </a:buClr>
@@ -19395,50 +19528,26 @@
             </a:pPr>
             <a:r>
               <a:rPr lang="en-US" dirty="0"/>
-              <a:t>If you need some components from other packages you can use </a:t>
+              <a:t>It should contain dependency starters. A starter dependency is an “empty” project, with just one </a:t>
             </a:r>
             <a:r>
               <a:rPr lang="en-US" dirty="0" err="1"/>
-              <a:t>scanBasePackageClasses</a:t>
+              <a:t>pom</a:t>
             </a:r>
             <a:r>
               <a:rPr lang="en-US" dirty="0"/>
-              <a:t>, @</a:t>
-            </a:r>
-            <a:r>
-              <a:rPr lang="en-US" dirty="0" err="1"/>
-              <a:t>YourOwnAnnotation</a:t>
-            </a:r>
-            <a:r>
-              <a:rPr lang="en-US" dirty="0"/>
-              <a:t> with @Include</a:t>
-            </a:r>
-            <a:r>
-              <a:rPr lang="en-US" i="1" dirty="0"/>
-              <a:t> </a:t>
-            </a:r>
-            <a:r>
-              <a:rPr lang="en-US" dirty="0"/>
-              <a:t> </a:t>
-            </a:r>
-            <a:r>
-              <a:rPr lang="en-US" dirty="0" err="1"/>
-              <a:t>etc</a:t>
+              <a:t>. There are more than 30 already predefined starters: </a:t>
+            </a:r>
+            <a:r>
+              <a:rPr lang="en-US" dirty="0">
+                <a:hlinkClick r:id="rId3" tooltip="full list"/>
+              </a:rPr>
+              <a:t>list of starters</a:t>
             </a:r>
             <a:endParaRPr lang="en-US" dirty="0"/>
           </a:p>
           <a:p>
-            <a:pPr marL="971452" lvl="2" indent="-285750" fontAlgn="base">
-              <a:buClr>
-                <a:schemeClr val="tx2"/>
-              </a:buClr>
-              <a:buFont typeface="Wingdings" panose="05000000000000000000" pitchFamily="2" charset="2"/>
-              <a:buChar char="Ø"/>
-            </a:pPr>
-            <a:endParaRPr lang="en-US" dirty="0"/>
-          </a:p>
-          <a:p>
-            <a:pPr marL="628601" lvl="1" indent="-285750" fontAlgn="base">
+            <a:pPr marL="285750" indent="-285750" fontAlgn="base">
               <a:buClr>
                 <a:schemeClr val="tx2"/>
               </a:buClr>
@@ -19482,7 +19591,7 @@
     </p:spTree>
     <p:extLst>
       <p:ext uri="{BB962C8B-B14F-4D97-AF65-F5344CB8AC3E}">
-        <p14:creationId xmlns:p14="http://schemas.microsoft.com/office/powerpoint/2010/main" val="1901675276"/>
+        <p14:creationId xmlns:p14="http://schemas.microsoft.com/office/powerpoint/2010/main" val="487298061"/>
       </p:ext>
     </p:extLst>
   </p:cSld>
@@ -19548,7 +19657,7 @@
           <a:p>
             <a:r>
               <a:rPr lang="de-DE" dirty="0"/>
-              <a:t>SPRING BOOT AUTOCONFIGURATION</a:t>
+              <a:t>SPRING BOOT STARTER</a:t>
             </a:r>
           </a:p>
         </p:txBody>
@@ -19568,7 +19677,7 @@
         <p:spPr>
           <a:xfrm>
             <a:off x="1128489" y="1198881"/>
-            <a:ext cx="6781681" cy="2793072"/>
+            <a:ext cx="6781681" cy="3231654"/>
           </a:xfrm>
           <a:prstGeom prst="rect">
             <a:avLst/>
@@ -19589,7 +19698,20 @@
             </a:pPr>
             <a:r>
               <a:rPr lang="en-US" dirty="0"/>
-              <a:t>How does it work? </a:t>
+              <a:t>It configures automatically your Spring application based on the dependencies that are added in project.</a:t>
+            </a:r>
+          </a:p>
+          <a:p>
+            <a:pPr marL="285750" indent="-285750" fontAlgn="base">
+              <a:buClr>
+                <a:schemeClr val="tx2"/>
+              </a:buClr>
+              <a:buFont typeface="Wingdings" panose="05000000000000000000" pitchFamily="2" charset="2"/>
+              <a:buChar char="Ø"/>
+            </a:pPr>
+            <a:r>
+              <a:rPr lang="en-US" dirty="0"/>
+              <a:t>To enable autoconfiguration you should add one of following :</a:t>
             </a:r>
           </a:p>
           <a:p>
@@ -19602,21 +19724,13 @@
             </a:pPr>
             <a:r>
               <a:rPr lang="en-US" dirty="0"/>
-              <a:t>When spring starts, it looks in class path for the file </a:t>
-            </a:r>
-            <a:r>
-              <a:rPr lang="en-US" u="sng" dirty="0">
-                <a:hlinkClick r:id="rId3"/>
-              </a:rPr>
-              <a:t>META-INF/</a:t>
-            </a:r>
-            <a:r>
-              <a:rPr lang="en-US" u="sng" dirty="0" err="1">
-                <a:hlinkClick r:id="rId3"/>
-              </a:rPr>
-              <a:t>spring.factories</a:t>
-            </a:r>
-            <a:endParaRPr lang="en-US" u="sng" dirty="0"/>
+              <a:t>@</a:t>
+            </a:r>
+            <a:r>
+              <a:rPr lang="en-US" dirty="0" err="1"/>
+              <a:t>EnableAutoConfiguration</a:t>
+            </a:r>
+            <a:endParaRPr lang="en-US" dirty="0"/>
           </a:p>
           <a:p>
             <a:pPr marL="628601" lvl="1" indent="-285750" fontAlgn="base">
@@ -19628,18 +19742,87 @@
             </a:pPr>
             <a:r>
               <a:rPr lang="en-US" dirty="0"/>
-              <a:t>Then load those classes, and thanks to </a:t>
-            </a:r>
-            <a:r>
-              <a:rPr lang="en-US" u="sng" dirty="0">
-                <a:hlinkClick r:id="rId4"/>
-              </a:rPr>
-              <a:t>@Conditional*</a:t>
+              <a:t>@</a:t>
+            </a:r>
+            <a:r>
+              <a:rPr lang="en-US" dirty="0" err="1"/>
+              <a:t>SpringBootApplication</a:t>
             </a:r>
             <a:r>
               <a:rPr lang="en-US" dirty="0"/>
-              <a:t> spring-boot decides which configuration has to be enabled/loaded. </a:t>
-            </a:r>
+              <a:t> = @Configuration + @</a:t>
+            </a:r>
+            <a:r>
+              <a:rPr lang="en-US" dirty="0" err="1"/>
+              <a:t>EnableAutoConfiguration</a:t>
+            </a:r>
+            <a:r>
+              <a:rPr lang="en-US" dirty="0"/>
+              <a:t> + @</a:t>
+            </a:r>
+            <a:r>
+              <a:rPr lang="en-US" dirty="0" err="1"/>
+              <a:t>ComponentScan</a:t>
+            </a:r>
+            <a:r>
+              <a:rPr lang="en-US" dirty="0"/>
+              <a:t> </a:t>
+            </a:r>
+          </a:p>
+          <a:p>
+            <a:pPr marL="628601" lvl="1" indent="-285750" fontAlgn="base">
+              <a:buClr>
+                <a:schemeClr val="tx2"/>
+              </a:buClr>
+              <a:buFont typeface="Wingdings" panose="05000000000000000000" pitchFamily="2" charset="2"/>
+              <a:buChar char="Ø"/>
+            </a:pPr>
+            <a:r>
+              <a:rPr lang="en-US" dirty="0"/>
+              <a:t>It tells to spring to spring to load configuration and scan all components from the same package as Application and all sub-packages.</a:t>
+            </a:r>
+          </a:p>
+          <a:p>
+            <a:pPr marL="628601" lvl="1" indent="-285750" fontAlgn="base">
+              <a:buClr>
+                <a:schemeClr val="tx2"/>
+              </a:buClr>
+              <a:buFont typeface="Wingdings" panose="05000000000000000000" pitchFamily="2" charset="2"/>
+              <a:buChar char="Ø"/>
+            </a:pPr>
+            <a:r>
+              <a:rPr lang="en-US" dirty="0"/>
+              <a:t>If you need some components from other packages you can use </a:t>
+            </a:r>
+            <a:r>
+              <a:rPr lang="en-US" dirty="0" err="1"/>
+              <a:t>scanBasePackageClasses</a:t>
+            </a:r>
+            <a:r>
+              <a:rPr lang="en-US" dirty="0"/>
+              <a:t>, @</a:t>
+            </a:r>
+            <a:r>
+              <a:rPr lang="en-US" dirty="0" err="1"/>
+              <a:t>YourOwnAnnotation</a:t>
+            </a:r>
+            <a:r>
+              <a:rPr lang="en-US" dirty="0"/>
+              <a:t> with @Include</a:t>
+            </a:r>
+            <a:r>
+              <a:rPr lang="en-US" i="1" dirty="0"/>
+              <a:t> </a:t>
+            </a:r>
+            <a:r>
+              <a:rPr lang="en-US" dirty="0"/>
+              <a:t> </a:t>
+            </a:r>
+            <a:r>
+              <a:rPr lang="en-US" dirty="0" err="1"/>
+              <a:t>etc</a:t>
+            </a:r>
+            <a:endParaRPr lang="en-US" dirty="0"/>
           </a:p>
           <a:p>
             <a:pPr marL="971452" lvl="2" indent="-285750" fontAlgn="base">
@@ -19649,132 +19832,6 @@
               <a:buFont typeface="Wingdings" panose="05000000000000000000" pitchFamily="2" charset="2"/>
               <a:buChar char="Ø"/>
             </a:pPr>
-            <a:r>
-              <a:rPr lang="en-US" dirty="0"/>
-              <a:t>Class: @</a:t>
-            </a:r>
-            <a:r>
-              <a:rPr lang="en-US" dirty="0" err="1"/>
-              <a:t>ConditionalOnClass</a:t>
-            </a:r>
-            <a:r>
-              <a:rPr lang="en-US" dirty="0"/>
-              <a:t>, @</a:t>
-            </a:r>
-            <a:r>
-              <a:rPr lang="en-US" dirty="0" err="1"/>
-              <a:t>ConditionalOnMissingClass</a:t>
-            </a:r>
-            <a:endParaRPr lang="en-US" dirty="0"/>
-          </a:p>
-          <a:p>
-            <a:pPr marL="971452" lvl="2" indent="-285750" fontAlgn="base">
-              <a:buClr>
-                <a:schemeClr val="tx2"/>
-              </a:buClr>
-              <a:buFont typeface="Wingdings" panose="05000000000000000000" pitchFamily="2" charset="2"/>
-              <a:buChar char="Ø"/>
-            </a:pPr>
-            <a:r>
-              <a:rPr lang="en-US" dirty="0"/>
-              <a:t>Bean: @</a:t>
-            </a:r>
-            <a:r>
-              <a:rPr lang="en-US" dirty="0" err="1"/>
-              <a:t>ConditionalOnBean</a:t>
-            </a:r>
-            <a:r>
-              <a:rPr lang="en-US" dirty="0"/>
-              <a:t> , @</a:t>
-            </a:r>
-            <a:r>
-              <a:rPr lang="en-US" dirty="0" err="1"/>
-              <a:t>ConditionalOnMissingBean</a:t>
-            </a:r>
-            <a:endParaRPr lang="en-US" dirty="0"/>
-          </a:p>
-          <a:p>
-            <a:pPr marL="971452" lvl="2" indent="-285750" fontAlgn="base">
-              <a:buClr>
-                <a:schemeClr val="tx2"/>
-              </a:buClr>
-              <a:buFont typeface="Wingdings" panose="05000000000000000000" pitchFamily="2" charset="2"/>
-              <a:buChar char="Ø"/>
-            </a:pPr>
-            <a:r>
-              <a:rPr lang="en-US" dirty="0"/>
-              <a:t>Property: @</a:t>
-            </a:r>
-            <a:r>
-              <a:rPr lang="en-US" dirty="0" err="1"/>
-              <a:t>ConditionalOnProperty</a:t>
-            </a:r>
-            <a:endParaRPr lang="en-US" dirty="0"/>
-          </a:p>
-          <a:p>
-            <a:pPr marL="971452" lvl="2" indent="-285750" fontAlgn="base">
-              <a:buClr>
-                <a:schemeClr val="tx2"/>
-              </a:buClr>
-              <a:buFont typeface="Wingdings" panose="05000000000000000000" pitchFamily="2" charset="2"/>
-              <a:buChar char="Ø"/>
-            </a:pPr>
-            <a:r>
-              <a:rPr lang="en-US" dirty="0"/>
-              <a:t>Resource: @</a:t>
-            </a:r>
-            <a:r>
-              <a:rPr lang="en-US" dirty="0" err="1"/>
-              <a:t>ConditionalOnResource</a:t>
-            </a:r>
-            <a:endParaRPr lang="en-US" dirty="0"/>
-          </a:p>
-          <a:p>
-            <a:pPr marL="971452" lvl="2" indent="-285750" fontAlgn="base">
-              <a:buClr>
-                <a:schemeClr val="tx2"/>
-              </a:buClr>
-              <a:buFont typeface="Wingdings" panose="05000000000000000000" pitchFamily="2" charset="2"/>
-              <a:buChar char="Ø"/>
-            </a:pPr>
-            <a:r>
-              <a:rPr lang="en-US" dirty="0" err="1"/>
-              <a:t>WebApplication</a:t>
-            </a:r>
-            <a:r>
-              <a:rPr lang="en-US" dirty="0"/>
-              <a:t>: @</a:t>
-            </a:r>
-            <a:r>
-              <a:rPr lang="en-US" dirty="0" err="1"/>
-              <a:t>ConditionalOnWebApplication</a:t>
-            </a:r>
-            <a:r>
-              <a:rPr lang="en-US" dirty="0"/>
-              <a:t> @</a:t>
-            </a:r>
-            <a:r>
-              <a:rPr lang="en-US" dirty="0" err="1"/>
-              <a:t>ConditionalOnNotWebApplication</a:t>
-            </a:r>
-            <a:endParaRPr lang="en-US" dirty="0"/>
-          </a:p>
-          <a:p>
-            <a:pPr marL="971452" lvl="2" indent="-285750" fontAlgn="base">
-              <a:buClr>
-                <a:schemeClr val="tx2"/>
-              </a:buClr>
-              <a:buFont typeface="Wingdings" panose="05000000000000000000" pitchFamily="2" charset="2"/>
-              <a:buChar char="Ø"/>
-            </a:pPr>
-            <a:r>
-              <a:rPr lang="en-US" dirty="0"/>
-              <a:t>Expression: @</a:t>
-            </a:r>
-            <a:r>
-              <a:rPr lang="en-US" dirty="0" err="1"/>
-              <a:t>ConditionalOnExpression</a:t>
-            </a:r>
             <a:endParaRPr lang="en-US" dirty="0"/>
           </a:p>
           <a:p>
@@ -19785,18 +19842,17 @@
               <a:buFont typeface="Wingdings" panose="05000000000000000000" pitchFamily="2" charset="2"/>
               <a:buChar char="Ø"/>
             </a:pPr>
-            <a:r>
-              <a:rPr lang="en-US" dirty="0"/>
-              <a:t>Try to write your own autoconfiguration( i.e. </a:t>
-            </a:r>
-            <a:r>
-              <a:rPr lang="en-US" dirty="0" err="1"/>
-              <a:t>GreetingService</a:t>
-            </a:r>
-            <a:r>
-              <a:rPr lang="en-US" dirty="0"/>
-              <a:t> ) </a:t>
-            </a:r>
+            <a:endParaRPr lang="en-US" dirty="0"/>
+          </a:p>
+          <a:p>
+            <a:pPr marL="285750" indent="-285750" fontAlgn="base">
+              <a:buClr>
+                <a:schemeClr val="tx2"/>
+              </a:buClr>
+              <a:buFont typeface="Wingdings" panose="05000000000000000000" pitchFamily="2" charset="2"/>
+              <a:buChar char="Ø"/>
+            </a:pPr>
+            <a:endParaRPr lang="en-US" sz="1400" dirty="0"/>
           </a:p>
           <a:p>
             <a:pPr marL="628601" lvl="1" indent="-285750" fontAlgn="base">
@@ -19806,34 +19862,24 @@
               <a:buFont typeface="Wingdings" panose="05000000000000000000" pitchFamily="2" charset="2"/>
               <a:buChar char="Ø"/>
             </a:pPr>
-            <a:r>
-              <a:rPr lang="en-US" dirty="0"/>
-              <a:t>Examples: </a:t>
-            </a:r>
-            <a:r>
-              <a:rPr lang="en-US" dirty="0" err="1">
-                <a:hlinkClick r:id="rId5"/>
-              </a:rPr>
-              <a:t>MongoAutoConfiguraiton</a:t>
-            </a:r>
-            <a:r>
-              <a:rPr lang="en-US" dirty="0"/>
-              <a:t>, </a:t>
-            </a:r>
-            <a:r>
-              <a:rPr lang="en-US" dirty="0" err="1">
-                <a:hlinkClick r:id="rId6"/>
-              </a:rPr>
-              <a:t>HornetQ</a:t>
-            </a:r>
-            <a:endParaRPr lang="en-US" dirty="0"/>
+            <a:endParaRPr lang="en-US" sz="1400" dirty="0"/>
+          </a:p>
+          <a:p>
+            <a:pPr marL="285750" indent="-285750" fontAlgn="base">
+              <a:buClr>
+                <a:schemeClr val="tx2"/>
+              </a:buClr>
+              <a:buFont typeface="Wingdings" panose="05000000000000000000" pitchFamily="2" charset="2"/>
+              <a:buChar char="Ø"/>
+            </a:pPr>
+            <a:endParaRPr lang="de-DE" sz="1400" dirty="0"/>
           </a:p>
         </p:txBody>
       </p:sp>
     </p:spTree>
     <p:extLst>
       <p:ext uri="{BB962C8B-B14F-4D97-AF65-F5344CB8AC3E}">
-        <p14:creationId xmlns:p14="http://schemas.microsoft.com/office/powerpoint/2010/main" val="653160030"/>
+        <p14:creationId xmlns:p14="http://schemas.microsoft.com/office/powerpoint/2010/main" val="1901675276"/>
       </p:ext>
     </p:extLst>
   </p:cSld>
@@ -19899,7 +19945,7 @@
           <a:p>
             <a:r>
               <a:rPr lang="de-DE" dirty="0"/>
-              <a:t>SPRING BOOT actuator</a:t>
+              <a:t>SPRING BOOT AUTOCONFIGURATION</a:t>
             </a:r>
           </a:p>
         </p:txBody>
@@ -19919,7 +19965,7 @@
         <p:spPr>
           <a:xfrm>
             <a:off x="1128489" y="1198881"/>
-            <a:ext cx="6781681" cy="1962076"/>
+            <a:ext cx="6781681" cy="2793072"/>
           </a:xfrm>
           <a:prstGeom prst="rect">
             <a:avLst/>
@@ -19940,28 +19986,7 @@
             </a:pPr>
             <a:r>
               <a:rPr lang="en-US" dirty="0"/>
-              <a:t>Actuator is production-ready tools  mainly used to expose different types of information about the running application – health, metrics, info, dump, </a:t>
-            </a:r>
-            <a:r>
-              <a:rPr lang="en-US" dirty="0" err="1"/>
-              <a:t>env</a:t>
-            </a:r>
-            <a:r>
-              <a:rPr lang="en-US" dirty="0"/>
-              <a:t> etc. </a:t>
-            </a:r>
-          </a:p>
-          <a:p>
-            <a:pPr marL="285750" indent="-285750" fontAlgn="base">
-              <a:buClr>
-                <a:schemeClr val="tx2"/>
-              </a:buClr>
-              <a:buFont typeface="Wingdings" panose="05000000000000000000" pitchFamily="2" charset="2"/>
-              <a:buChar char="Ø"/>
-            </a:pPr>
-            <a:r>
-              <a:rPr lang="en-US" dirty="0"/>
-              <a:t>How to enable/configure actuator</a:t>
+              <a:t>How does it work? </a:t>
             </a:r>
           </a:p>
           <a:p>
@@ -19974,16 +19999,21 @@
             </a:pPr>
             <a:r>
               <a:rPr lang="en-US" dirty="0"/>
-              <a:t>Include dependency </a:t>
-            </a:r>
-            <a:r>
-              <a:rPr lang="en-US" dirty="0">
-                <a:solidFill>
-                  <a:schemeClr val="accent2"/>
-                </a:solidFill>
+              <a:t>When spring starts, it looks in class path for the file </a:t>
+            </a:r>
+            <a:r>
+              <a:rPr lang="en-US" u="sng" dirty="0">
+                <a:hlinkClick r:id="rId3"/>
               </a:rPr>
-              <a:t>spring-boot-starter-actuator</a:t>
-            </a:r>
+              <a:t>META-INF/</a:t>
+            </a:r>
+            <a:r>
+              <a:rPr lang="en-US" u="sng" dirty="0" err="1">
+                <a:hlinkClick r:id="rId3"/>
+              </a:rPr>
+              <a:t>spring.factories</a:t>
+            </a:r>
+            <a:endParaRPr lang="en-US" u="sng" dirty="0"/>
           </a:p>
           <a:p>
             <a:pPr marL="628601" lvl="1" indent="-285750" fontAlgn="base">
@@ -19995,27 +20025,21 @@
             </a:pPr>
             <a:r>
               <a:rPr lang="en-US" dirty="0"/>
-              <a:t>security settings in </a:t>
-            </a:r>
-            <a:r>
-              <a:rPr lang="en-US" dirty="0" err="1"/>
-              <a:t>application.properties</a:t>
+              <a:t>Then load those classes, and thanks to </a:t>
+            </a:r>
+            <a:r>
+              <a:rPr lang="en-US" u="sng" dirty="0">
+                <a:hlinkClick r:id="rId4"/>
+              </a:rPr>
+              <a:t>@Conditional*</a:t>
             </a:r>
             <a:r>
               <a:rPr lang="en-US" dirty="0"/>
-              <a:t> </a:t>
-            </a:r>
-            <a:r>
-              <a:rPr lang="en-US" dirty="0" err="1"/>
-              <a:t>management.security.enabled</a:t>
-            </a:r>
-            <a:r>
-              <a:rPr lang="en-US" dirty="0"/>
-              <a:t>=false ( only for test )</a:t>
-            </a:r>
-          </a:p>
-          <a:p>
-            <a:pPr marL="285750" indent="-285750" fontAlgn="base">
+              <a:t> spring-boot decides which configuration has to be enabled/loaded. </a:t>
+            </a:r>
+          </a:p>
+          <a:p>
+            <a:pPr marL="971452" lvl="2" indent="-285750" fontAlgn="base">
               <a:buClr>
                 <a:schemeClr val="tx2"/>
               </a:buClr>
@@ -20024,18 +20048,24 @@
             </a:pPr>
             <a:r>
               <a:rPr lang="en-US" dirty="0"/>
-              <a:t>More about </a:t>
-            </a:r>
-            <a:r>
-              <a:rPr lang="en-US" dirty="0">
-                <a:hlinkClick r:id="rId3"/>
-              </a:rPr>
-              <a:t>actuator</a:t>
+              <a:t>Class: @</a:t>
+            </a:r>
+            <a:r>
+              <a:rPr lang="en-US" dirty="0" err="1"/>
+              <a:t>ConditionalOnClass</a:t>
+            </a:r>
+            <a:r>
+              <a:rPr lang="en-US" dirty="0"/>
+              <a:t>, @</a:t>
+            </a:r>
+            <a:r>
+              <a:rPr lang="en-US" dirty="0" err="1"/>
+              <a:t>ConditionalOnMissingClass</a:t>
             </a:r>
             <a:endParaRPr lang="en-US" dirty="0"/>
           </a:p>
           <a:p>
-            <a:pPr marL="285750" indent="-285750" fontAlgn="base">
+            <a:pPr marL="971452" lvl="2" indent="-285750" fontAlgn="base">
               <a:buClr>
                 <a:schemeClr val="tx2"/>
               </a:buClr>
@@ -20044,21 +20074,155 @@
             </a:pPr>
             <a:r>
               <a:rPr lang="en-US" dirty="0"/>
-              <a:t>There is no official GUI support ( swagger or </a:t>
-            </a:r>
-            <a:r>
-              <a:rPr lang="en-US" dirty="0">
-                <a:hlinkClick r:id="rId4"/>
+              <a:t>Bean: @</a:t>
+            </a:r>
+            <a:r>
+              <a:rPr lang="en-US" dirty="0" err="1"/>
+              <a:t>ConditionalOnBean</a:t>
+            </a:r>
+            <a:r>
+              <a:rPr lang="en-US" dirty="0"/>
+              <a:t> , @</a:t>
+            </a:r>
+            <a:r>
+              <a:rPr lang="en-US" dirty="0" err="1"/>
+              <a:t>ConditionalOnMissingBean</a:t>
+            </a:r>
+            <a:endParaRPr lang="en-US" dirty="0"/>
+          </a:p>
+          <a:p>
+            <a:pPr marL="971452" lvl="2" indent="-285750" fontAlgn="base">
+              <a:buClr>
+                <a:schemeClr val="tx2"/>
+              </a:buClr>
+              <a:buFont typeface="Wingdings" panose="05000000000000000000" pitchFamily="2" charset="2"/>
+              <a:buChar char="Ø"/>
+            </a:pPr>
+            <a:r>
+              <a:rPr lang="en-US" dirty="0"/>
+              <a:t>Property: @</a:t>
+            </a:r>
+            <a:r>
+              <a:rPr lang="en-US" dirty="0" err="1"/>
+              <a:t>ConditionalOnProperty</a:t>
+            </a:r>
+            <a:endParaRPr lang="en-US" dirty="0"/>
+          </a:p>
+          <a:p>
+            <a:pPr marL="971452" lvl="2" indent="-285750" fontAlgn="base">
+              <a:buClr>
+                <a:schemeClr val="tx2"/>
+              </a:buClr>
+              <a:buFont typeface="Wingdings" panose="05000000000000000000" pitchFamily="2" charset="2"/>
+              <a:buChar char="Ø"/>
+            </a:pPr>
+            <a:r>
+              <a:rPr lang="en-US" dirty="0"/>
+              <a:t>Resource: @</a:t>
+            </a:r>
+            <a:r>
+              <a:rPr lang="en-US" dirty="0" err="1"/>
+              <a:t>ConditionalOnResource</a:t>
+            </a:r>
+            <a:endParaRPr lang="en-US" dirty="0"/>
+          </a:p>
+          <a:p>
+            <a:pPr marL="971452" lvl="2" indent="-285750" fontAlgn="base">
+              <a:buClr>
+                <a:schemeClr val="tx2"/>
+              </a:buClr>
+              <a:buFont typeface="Wingdings" panose="05000000000000000000" pitchFamily="2" charset="2"/>
+              <a:buChar char="Ø"/>
+            </a:pPr>
+            <a:r>
+              <a:rPr lang="en-US" dirty="0" err="1"/>
+              <a:t>WebApplication</a:t>
+            </a:r>
+            <a:r>
+              <a:rPr lang="en-US" dirty="0"/>
+              <a:t>: @</a:t>
+            </a:r>
+            <a:r>
+              <a:rPr lang="en-US" dirty="0" err="1"/>
+              <a:t>ConditionalOnWebApplication</a:t>
+            </a:r>
+            <a:r>
+              <a:rPr lang="en-US" dirty="0"/>
+              <a:t> @</a:t>
+            </a:r>
+            <a:r>
+              <a:rPr lang="en-US" dirty="0" err="1"/>
+              <a:t>ConditionalOnNotWebApplication</a:t>
+            </a:r>
+            <a:endParaRPr lang="en-US" dirty="0"/>
+          </a:p>
+          <a:p>
+            <a:pPr marL="971452" lvl="2" indent="-285750" fontAlgn="base">
+              <a:buClr>
+                <a:schemeClr val="tx2"/>
+              </a:buClr>
+              <a:buFont typeface="Wingdings" panose="05000000000000000000" pitchFamily="2" charset="2"/>
+              <a:buChar char="Ø"/>
+            </a:pPr>
+            <a:r>
+              <a:rPr lang="en-US" dirty="0"/>
+              <a:t>Expression: @</a:t>
+            </a:r>
+            <a:r>
+              <a:rPr lang="en-US" dirty="0" err="1"/>
+              <a:t>ConditionalOnExpression</a:t>
+            </a:r>
+            <a:endParaRPr lang="en-US" dirty="0"/>
+          </a:p>
+          <a:p>
+            <a:pPr marL="628601" lvl="1" indent="-285750" fontAlgn="base">
+              <a:buClr>
+                <a:schemeClr val="tx2"/>
+              </a:buClr>
+              <a:buFont typeface="Wingdings" panose="05000000000000000000" pitchFamily="2" charset="2"/>
+              <a:buChar char="Ø"/>
+            </a:pPr>
+            <a:r>
+              <a:rPr lang="en-US" dirty="0"/>
+              <a:t>Try to write your own autoconfiguration( i.e. </a:t>
+            </a:r>
+            <a:r>
+              <a:rPr lang="en-US" dirty="0" err="1"/>
+              <a:t>GreetingService</a:t>
+            </a:r>
+            <a:r>
+              <a:rPr lang="en-US" dirty="0"/>
+              <a:t> ) </a:t>
+            </a:r>
+          </a:p>
+          <a:p>
+            <a:pPr marL="628601" lvl="1" indent="-285750" fontAlgn="base">
+              <a:buClr>
+                <a:schemeClr val="tx2"/>
+              </a:buClr>
+              <a:buFont typeface="Wingdings" panose="05000000000000000000" pitchFamily="2" charset="2"/>
+              <a:buChar char="Ø"/>
+            </a:pPr>
+            <a:r>
+              <a:rPr lang="en-US" dirty="0"/>
+              <a:t>Examples: </a:t>
+            </a:r>
+            <a:r>
+              <a:rPr lang="en-US" dirty="0" err="1">
+                <a:hlinkClick r:id="rId5"/>
               </a:rPr>
-              <a:t>boot admin</a:t>
+              <a:t>MongoAutoConfiguraiton</a:t>
             </a:r>
             <a:r>
               <a:rPr lang="en-US" dirty="0"/>
-              <a:t> )</a:t>
-            </a:r>
-          </a:p>
-          <a:p>
-            <a:pPr lvl="2"/>
+              <a:t>, </a:t>
+            </a:r>
+            <a:r>
+              <a:rPr lang="en-US" dirty="0" err="1">
+                <a:hlinkClick r:id="rId6"/>
+              </a:rPr>
+              <a:t>HornetQ</a:t>
+            </a:r>
             <a:endParaRPr lang="en-US" dirty="0"/>
           </a:p>
         </p:txBody>
@@ -20066,7 +20230,7 @@
     </p:spTree>
     <p:extLst>
       <p:ext uri="{BB962C8B-B14F-4D97-AF65-F5344CB8AC3E}">
-        <p14:creationId xmlns:p14="http://schemas.microsoft.com/office/powerpoint/2010/main" val="4123983461"/>
+        <p14:creationId xmlns:p14="http://schemas.microsoft.com/office/powerpoint/2010/main" val="653160030"/>
       </p:ext>
     </p:extLst>
   </p:cSld>
@@ -20110,6 +20274,239 @@
           <a:p>
             <a:r>
               <a:rPr lang="de-DE" dirty="0"/>
+              <a:t>OVERVIEW </a:t>
+            </a:r>
+          </a:p>
+        </p:txBody>
+      </p:sp>
+      <p:sp>
+        <p:nvSpPr>
+          <p:cNvPr id="3" name="Textplatzhalter 2"/>
+          <p:cNvSpPr>
+            <a:spLocks noGrp="1"/>
+          </p:cNvSpPr>
+          <p:nvPr>
+            <p:ph type="body" sz="quarter" idx="15"/>
+          </p:nvPr>
+        </p:nvSpPr>
+        <p:spPr/>
+        <p:txBody>
+          <a:bodyPr/>
+          <a:lstStyle/>
+          <a:p>
+            <a:r>
+              <a:rPr lang="de-DE" dirty="0"/>
+              <a:t>SPRING BOOT actuator</a:t>
+            </a:r>
+          </a:p>
+        </p:txBody>
+      </p:sp>
+      <p:sp>
+        <p:nvSpPr>
+          <p:cNvPr id="4" name="Rectangle 3">
+            <a:extLst>
+              <a:ext uri="{FF2B5EF4-FFF2-40B4-BE49-F238E27FC236}">
+                <a16:creationId xmlns:a16="http://schemas.microsoft.com/office/drawing/2014/main" id="{5C875315-D111-4563-A875-2AFF06A761E6}"/>
+              </a:ext>
+            </a:extLst>
+          </p:cNvPr>
+          <p:cNvSpPr/>
+          <p:nvPr/>
+        </p:nvSpPr>
+        <p:spPr>
+          <a:xfrm>
+            <a:off x="1128489" y="1198881"/>
+            <a:ext cx="6781681" cy="1962076"/>
+          </a:xfrm>
+          <a:prstGeom prst="rect">
+            <a:avLst/>
+          </a:prstGeom>
+        </p:spPr>
+        <p:txBody>
+          <a:bodyPr wrap="square">
+            <a:spAutoFit/>
+          </a:bodyPr>
+          <a:lstStyle/>
+          <a:p>
+            <a:pPr marL="285750" indent="-285750" fontAlgn="base">
+              <a:buClr>
+                <a:schemeClr val="tx2"/>
+              </a:buClr>
+              <a:buFont typeface="Wingdings" panose="05000000000000000000" pitchFamily="2" charset="2"/>
+              <a:buChar char="Ø"/>
+            </a:pPr>
+            <a:r>
+              <a:rPr lang="en-US" dirty="0"/>
+              <a:t>Actuator is production-ready tools  mainly used to expose different types of information about the running application – health, metrics, info, dump, </a:t>
+            </a:r>
+            <a:r>
+              <a:rPr lang="en-US" dirty="0" err="1"/>
+              <a:t>env</a:t>
+            </a:r>
+            <a:r>
+              <a:rPr lang="en-US" dirty="0"/>
+              <a:t> etc. </a:t>
+            </a:r>
+          </a:p>
+          <a:p>
+            <a:pPr marL="285750" indent="-285750" fontAlgn="base">
+              <a:buClr>
+                <a:schemeClr val="tx2"/>
+              </a:buClr>
+              <a:buFont typeface="Wingdings" panose="05000000000000000000" pitchFamily="2" charset="2"/>
+              <a:buChar char="Ø"/>
+            </a:pPr>
+            <a:r>
+              <a:rPr lang="en-US" dirty="0"/>
+              <a:t>How to enable/configure actuator</a:t>
+            </a:r>
+          </a:p>
+          <a:p>
+            <a:pPr marL="628601" lvl="1" indent="-285750" fontAlgn="base">
+              <a:buClr>
+                <a:schemeClr val="tx2"/>
+              </a:buClr>
+              <a:buFont typeface="Wingdings" panose="05000000000000000000" pitchFamily="2" charset="2"/>
+              <a:buChar char="Ø"/>
+            </a:pPr>
+            <a:r>
+              <a:rPr lang="en-US" dirty="0"/>
+              <a:t>Include dependency </a:t>
+            </a:r>
+            <a:r>
+              <a:rPr lang="en-US" dirty="0">
+                <a:solidFill>
+                  <a:schemeClr val="accent2"/>
+                </a:solidFill>
+              </a:rPr>
+              <a:t>spring-boot-starter-actuator</a:t>
+            </a:r>
+          </a:p>
+          <a:p>
+            <a:pPr marL="628601" lvl="1" indent="-285750" fontAlgn="base">
+              <a:buClr>
+                <a:schemeClr val="tx2"/>
+              </a:buClr>
+              <a:buFont typeface="Wingdings" panose="05000000000000000000" pitchFamily="2" charset="2"/>
+              <a:buChar char="Ø"/>
+            </a:pPr>
+            <a:r>
+              <a:rPr lang="en-US" dirty="0"/>
+              <a:t>security settings in </a:t>
+            </a:r>
+            <a:r>
+              <a:rPr lang="en-US" dirty="0" err="1"/>
+              <a:t>application.properties</a:t>
+            </a:r>
+            <a:r>
+              <a:rPr lang="en-US" dirty="0"/>
+              <a:t> </a:t>
+            </a:r>
+            <a:r>
+              <a:rPr lang="en-US" dirty="0" err="1"/>
+              <a:t>management.security.enabled</a:t>
+            </a:r>
+            <a:r>
+              <a:rPr lang="en-US" dirty="0"/>
+              <a:t>=false ( only for test )</a:t>
+            </a:r>
+          </a:p>
+          <a:p>
+            <a:pPr marL="285750" indent="-285750" fontAlgn="base">
+              <a:buClr>
+                <a:schemeClr val="tx2"/>
+              </a:buClr>
+              <a:buFont typeface="Wingdings" panose="05000000000000000000" pitchFamily="2" charset="2"/>
+              <a:buChar char="Ø"/>
+            </a:pPr>
+            <a:r>
+              <a:rPr lang="en-US" dirty="0"/>
+              <a:t>More about </a:t>
+            </a:r>
+            <a:r>
+              <a:rPr lang="en-US" dirty="0">
+                <a:hlinkClick r:id="rId3"/>
+              </a:rPr>
+              <a:t>actuator</a:t>
+            </a:r>
+            <a:endParaRPr lang="en-US" dirty="0"/>
+          </a:p>
+          <a:p>
+            <a:pPr marL="285750" indent="-285750" fontAlgn="base">
+              <a:buClr>
+                <a:schemeClr val="tx2"/>
+              </a:buClr>
+              <a:buFont typeface="Wingdings" panose="05000000000000000000" pitchFamily="2" charset="2"/>
+              <a:buChar char="Ø"/>
+            </a:pPr>
+            <a:r>
+              <a:rPr lang="en-US" dirty="0"/>
+              <a:t>There is no official GUI support ( swagger or </a:t>
+            </a:r>
+            <a:r>
+              <a:rPr lang="en-US" dirty="0">
+                <a:hlinkClick r:id="rId4"/>
+              </a:rPr>
+              <a:t>boot admin</a:t>
+            </a:r>
+            <a:r>
+              <a:rPr lang="en-US" dirty="0"/>
+              <a:t> )</a:t>
+            </a:r>
+          </a:p>
+          <a:p>
+            <a:pPr lvl="2"/>
+            <a:endParaRPr lang="en-US" dirty="0"/>
+          </a:p>
+        </p:txBody>
+      </p:sp>
+    </p:spTree>
+    <p:extLst>
+      <p:ext uri="{BB962C8B-B14F-4D97-AF65-F5344CB8AC3E}">
+        <p14:creationId xmlns:p14="http://schemas.microsoft.com/office/powerpoint/2010/main" val="4123983461"/>
+      </p:ext>
+    </p:extLst>
+  </p:cSld>
+  <p:clrMapOvr>
+    <a:masterClrMapping/>
+  </p:clrMapOvr>
+</p:sld>
+</file>
+
+<file path=ppt/slides/slide19.xml><?xml version="1.0" encoding="utf-8"?>
+<p:sld xmlns:a="http://schemas.openxmlformats.org/drawingml/2006/main" xmlns:r="http://schemas.openxmlformats.org/officeDocument/2006/relationships" xmlns:p="http://schemas.openxmlformats.org/presentationml/2006/main">
+  <p:cSld>
+    <p:spTree>
+      <p:nvGrpSpPr>
+        <p:cNvPr id="1" name=""/>
+        <p:cNvGrpSpPr/>
+        <p:nvPr/>
+      </p:nvGrpSpPr>
+      <p:grpSpPr>
+        <a:xfrm>
+          <a:off x="0" y="0"/>
+          <a:ext cx="0" cy="0"/>
+          <a:chOff x="0" y="0"/>
+          <a:chExt cx="0" cy="0"/>
+        </a:xfrm>
+      </p:grpSpPr>
+      <p:sp>
+        <p:nvSpPr>
+          <p:cNvPr id="2" name="Textplatzhalter 1"/>
+          <p:cNvSpPr>
+            <a:spLocks noGrp="1"/>
+          </p:cNvSpPr>
+          <p:nvPr>
+            <p:ph type="body" sz="quarter" idx="16"/>
+          </p:nvPr>
+        </p:nvSpPr>
+        <p:spPr/>
+        <p:txBody>
+          <a:bodyPr/>
+          <a:lstStyle/>
+          <a:p>
+            <a:r>
+              <a:rPr lang="de-DE" dirty="0"/>
               <a:t>TESTING WITH SPRING BOOT </a:t>
             </a:r>
           </a:p>
@@ -20296,12 +20693,8 @@
               <a:buChar char="Ø"/>
             </a:pPr>
             <a:r>
-              <a:rPr lang="en-US" dirty="0" err="1"/>
-              <a:t>Importan</a:t>
-            </a:r>
-            <a:r>
               <a:rPr lang="en-US" dirty="0"/>
-              <a:t> annotation:</a:t>
+              <a:t>Important annotation:</a:t>
             </a:r>
           </a:p>
           <a:p>

--- a/documentation/Spring_basics.pptx
+++ b/documentation/Spring_basics.pptx
@@ -4004,7 +4004,7 @@
           <a:p>
             <a:fld id="{78617FD8-3C79-8D45-A2C8-4B6BBD51E2EE}" type="datetimeFigureOut">
               <a:rPr lang="de-DE" smtClean="0"/>
-              <a:t>02.03.2018</a:t>
+              <a:t>05.03.2018</a:t>
             </a:fld>
             <a:endParaRPr lang="de-DE"/>
           </a:p>
@@ -4169,7 +4169,7 @@
           <a:p>
             <a:fld id="{74051A69-C562-4FC5-92DC-994CDC1376A2}" type="datetimeFigureOut">
               <a:rPr lang="en-US" smtClean="0"/>
-              <a:t>02.03.2018</a:t>
+              <a:t>05.03.2018</a:t>
             </a:fld>
             <a:endParaRPr lang="en-US"/>
           </a:p>
@@ -15017,7 +15017,7 @@
           <a:lstStyle/>
           <a:p>
             <a:pPr algn="ctr"/>
-            <a:endParaRPr lang="en-US" sz="1349">
+            <a:endParaRPr lang="en-US" sz="1349" dirty="0">
               <a:latin typeface="DIN Next LT Pro Condensed" charset="0"/>
               <a:ea typeface="DIN Next LT Pro Condensed" charset="0"/>
               <a:cs typeface="DIN Next LT Pro Condensed" charset="0"/>
@@ -15277,8 +15277,12 @@
               </a:lnSpc>
             </a:pPr>
             <a:r>
+              <a:rPr lang="de-DE"/>
+              <a:t>with spring </a:t>
+            </a:r>
+            <a:r>
               <a:rPr lang="de-DE" dirty="0"/>
-              <a:t>with srping BOOT FRAMEWORK</a:t>
+              <a:t>BOOT FRAMEWORK</a:t>
             </a:r>
           </a:p>
           <a:p>
